--- a/Topic 3 - Planar and Nonplanar graphs/Presentations/Chapter 10.1 - The Euler Identity.pptx
+++ b/Topic 3 - Planar and Nonplanar graphs/Presentations/Chapter 10.1 - The Euler Identity.pptx
@@ -300,7 +300,7 @@
           <a:p>
             <a:fld id="{46EAD3E9-4DE9-417E-90AB-C145E82DBA8B}" type="datetimeFigureOut">
               <a:rPr lang="en-US" smtClean="0"/>
-              <a:t>5/25/2020</a:t>
+              <a:t>5/31/2020</a:t>
             </a:fld>
             <a:endParaRPr lang="en-US"/>
           </a:p>
@@ -567,7 +567,7 @@
           <a:p>
             <a:fld id="{46EAD3E9-4DE9-417E-90AB-C145E82DBA8B}" type="datetimeFigureOut">
               <a:rPr lang="en-US" smtClean="0"/>
-              <a:t>5/25/2020</a:t>
+              <a:t>5/31/2020</a:t>
             </a:fld>
             <a:endParaRPr lang="en-US"/>
           </a:p>
@@ -798,7 +798,7 @@
           <a:p>
             <a:fld id="{46EAD3E9-4DE9-417E-90AB-C145E82DBA8B}" type="datetimeFigureOut">
               <a:rPr lang="en-US" smtClean="0"/>
-              <a:t>5/25/2020</a:t>
+              <a:t>5/31/2020</a:t>
             </a:fld>
             <a:endParaRPr lang="en-US"/>
           </a:p>
@@ -1108,7 +1108,7 @@
           <a:p>
             <a:fld id="{46EAD3E9-4DE9-417E-90AB-C145E82DBA8B}" type="datetimeFigureOut">
               <a:rPr lang="en-US" smtClean="0"/>
-              <a:t>5/25/2020</a:t>
+              <a:t>5/31/2020</a:t>
             </a:fld>
             <a:endParaRPr lang="en-US"/>
           </a:p>
@@ -1581,7 +1581,7 @@
           <a:p>
             <a:fld id="{46EAD3E9-4DE9-417E-90AB-C145E82DBA8B}" type="datetimeFigureOut">
               <a:rPr lang="en-US" smtClean="0"/>
-              <a:t>5/25/2020</a:t>
+              <a:t>5/31/2020</a:t>
             </a:fld>
             <a:endParaRPr lang="en-US"/>
           </a:p>
@@ -2128,7 +2128,7 @@
           <a:p>
             <a:fld id="{46EAD3E9-4DE9-417E-90AB-C145E82DBA8B}" type="datetimeFigureOut">
               <a:rPr lang="en-US" smtClean="0"/>
-              <a:t>5/25/2020</a:t>
+              <a:t>5/31/2020</a:t>
             </a:fld>
             <a:endParaRPr lang="en-US"/>
           </a:p>
@@ -2902,7 +2902,7 @@
           <a:p>
             <a:fld id="{46EAD3E9-4DE9-417E-90AB-C145E82DBA8B}" type="datetimeFigureOut">
               <a:rPr lang="en-US" smtClean="0"/>
-              <a:t>5/25/2020</a:t>
+              <a:t>5/31/2020</a:t>
             </a:fld>
             <a:endParaRPr lang="en-US"/>
           </a:p>
@@ -3077,7 +3077,7 @@
           <a:p>
             <a:fld id="{46EAD3E9-4DE9-417E-90AB-C145E82DBA8B}" type="datetimeFigureOut">
               <a:rPr lang="en-US" smtClean="0"/>
-              <a:t>5/25/2020</a:t>
+              <a:t>5/31/2020</a:t>
             </a:fld>
             <a:endParaRPr lang="en-US"/>
           </a:p>
@@ -3300,7 +3300,7 @@
           <a:p>
             <a:fld id="{46EAD3E9-4DE9-417E-90AB-C145E82DBA8B}" type="datetimeFigureOut">
               <a:rPr lang="en-US" smtClean="0"/>
-              <a:t>5/25/2020</a:t>
+              <a:t>5/31/2020</a:t>
             </a:fld>
             <a:endParaRPr lang="en-US"/>
           </a:p>
@@ -3480,7 +3480,7 @@
           <a:p>
             <a:fld id="{46EAD3E9-4DE9-417E-90AB-C145E82DBA8B}" type="datetimeFigureOut">
               <a:rPr lang="en-US" smtClean="0"/>
-              <a:t>5/25/2020</a:t>
+              <a:t>5/31/2020</a:t>
             </a:fld>
             <a:endParaRPr lang="en-US"/>
           </a:p>
@@ -3769,7 +3769,7 @@
           <a:p>
             <a:fld id="{46EAD3E9-4DE9-417E-90AB-C145E82DBA8B}" type="datetimeFigureOut">
               <a:rPr lang="en-US" smtClean="0"/>
-              <a:t>5/25/2020</a:t>
+              <a:t>5/31/2020</a:t>
             </a:fld>
             <a:endParaRPr lang="en-US"/>
           </a:p>
@@ -4011,7 +4011,7 @@
           <a:p>
             <a:fld id="{46EAD3E9-4DE9-417E-90AB-C145E82DBA8B}" type="datetimeFigureOut">
               <a:rPr lang="en-US" smtClean="0"/>
-              <a:t>5/25/2020</a:t>
+              <a:t>5/31/2020</a:t>
             </a:fld>
             <a:endParaRPr lang="en-US"/>
           </a:p>
@@ -4390,7 +4390,7 @@
           <a:p>
             <a:fld id="{46EAD3E9-4DE9-417E-90AB-C145E82DBA8B}" type="datetimeFigureOut">
               <a:rPr lang="en-US" smtClean="0"/>
-              <a:t>5/25/2020</a:t>
+              <a:t>5/31/2020</a:t>
             </a:fld>
             <a:endParaRPr lang="en-US"/>
           </a:p>
@@ -4508,7 +4508,7 @@
           <a:p>
             <a:fld id="{46EAD3E9-4DE9-417E-90AB-C145E82DBA8B}" type="datetimeFigureOut">
               <a:rPr lang="en-US" smtClean="0"/>
-              <a:t>5/25/2020</a:t>
+              <a:t>5/31/2020</a:t>
             </a:fld>
             <a:endParaRPr lang="en-US"/>
           </a:p>
@@ -4603,7 +4603,7 @@
           <a:p>
             <a:fld id="{46EAD3E9-4DE9-417E-90AB-C145E82DBA8B}" type="datetimeFigureOut">
               <a:rPr lang="en-US" smtClean="0"/>
-              <a:t>5/25/2020</a:t>
+              <a:t>5/31/2020</a:t>
             </a:fld>
             <a:endParaRPr lang="en-US"/>
           </a:p>
@@ -4852,7 +4852,7 @@
           <a:p>
             <a:fld id="{46EAD3E9-4DE9-417E-90AB-C145E82DBA8B}" type="datetimeFigureOut">
               <a:rPr lang="en-US" smtClean="0"/>
-              <a:t>5/25/2020</a:t>
+              <a:t>5/31/2020</a:t>
             </a:fld>
             <a:endParaRPr lang="en-US"/>
           </a:p>
@@ -5109,7 +5109,7 @@
           <a:p>
             <a:fld id="{46EAD3E9-4DE9-417E-90AB-C145E82DBA8B}" type="datetimeFigureOut">
               <a:rPr lang="en-US" smtClean="0"/>
-              <a:t>5/25/2020</a:t>
+              <a:t>5/31/2020</a:t>
             </a:fld>
             <a:endParaRPr lang="en-US"/>
           </a:p>
@@ -5352,7 +5352,7 @@
           <a:p>
             <a:fld id="{46EAD3E9-4DE9-417E-90AB-C145E82DBA8B}" type="datetimeFigureOut">
               <a:rPr lang="en-US" smtClean="0"/>
-              <a:t>5/25/2020</a:t>
+              <a:t>5/31/2020</a:t>
             </a:fld>
             <a:endParaRPr lang="en-US"/>
           </a:p>
@@ -6216,8 +6216,8 @@
           </a:p>
         </p:txBody>
       </p:sp>
-      <mc:AlternateContent xmlns:mc="http://schemas.openxmlformats.org/markup-compatibility/2006">
-        <mc:Choice xmlns:a14="http://schemas.microsoft.com/office/drawing/2010/main" Requires="a14">
+      <mc:AlternateContent xmlns:mc="http://schemas.openxmlformats.org/markup-compatibility/2006" xmlns:a14="http://schemas.microsoft.com/office/drawing/2010/main">
+        <mc:Choice Requires="a14">
           <p:sp>
             <p:nvSpPr>
               <p:cNvPr id="3" name="Content Placeholder 2">
@@ -6387,7 +6387,7 @@
             </p:txBody>
           </p:sp>
         </mc:Choice>
-        <mc:Fallback>
+        <mc:Fallback xmlns="">
           <p:sp>
             <p:nvSpPr>
               <p:cNvPr id="3" name="Content Placeholder 2">
@@ -6437,13 +6437,13 @@
   <p:clrMapOvr>
     <a:masterClrMapping/>
   </p:clrMapOvr>
-  <mc:AlternateContent xmlns:mc="http://schemas.openxmlformats.org/markup-compatibility/2006">
-    <mc:Choice xmlns:p14="http://schemas.microsoft.com/office/powerpoint/2010/main" Requires="p14">
+  <mc:AlternateContent xmlns:mc="http://schemas.openxmlformats.org/markup-compatibility/2006" xmlns:p14="http://schemas.microsoft.com/office/powerpoint/2010/main">
+    <mc:Choice Requires="p14">
       <p:transition spd="med" p14:dur="700">
         <p:fade/>
       </p:transition>
     </mc:Choice>
-    <mc:Fallback>
+    <mc:Fallback xmlns="">
       <p:transition spd="med">
         <p:fade/>
       </p:transition>
@@ -6497,8 +6497,8 @@
           </a:p>
         </p:txBody>
       </p:sp>
-      <mc:AlternateContent xmlns:mc="http://schemas.openxmlformats.org/markup-compatibility/2006">
-        <mc:Choice xmlns:a14="http://schemas.microsoft.com/office/drawing/2010/main" Requires="a14">
+      <mc:AlternateContent xmlns:mc="http://schemas.openxmlformats.org/markup-compatibility/2006" xmlns:a14="http://schemas.microsoft.com/office/drawing/2010/main">
+        <mc:Choice Requires="a14">
           <p:sp>
             <p:nvSpPr>
               <p:cNvPr id="3" name="Content Placeholder 2">
@@ -6668,7 +6668,7 @@
             </p:txBody>
           </p:sp>
         </mc:Choice>
-        <mc:Fallback>
+        <mc:Fallback xmlns="">
           <p:sp>
             <p:nvSpPr>
               <p:cNvPr id="3" name="Content Placeholder 2">
@@ -8509,13 +8509,13 @@
   <p:clrMapOvr>
     <a:masterClrMapping/>
   </p:clrMapOvr>
-  <mc:AlternateContent xmlns:mc="http://schemas.openxmlformats.org/markup-compatibility/2006">
-    <mc:Choice xmlns:p14="http://schemas.microsoft.com/office/powerpoint/2010/main" Requires="p14">
+  <mc:AlternateContent xmlns:mc="http://schemas.openxmlformats.org/markup-compatibility/2006" xmlns:p14="http://schemas.microsoft.com/office/powerpoint/2010/main">
+    <mc:Choice Requires="p14">
       <p:transition spd="med" p14:dur="700">
         <p:fade/>
       </p:transition>
     </mc:Choice>
-    <mc:Fallback>
+    <mc:Fallback xmlns="">
       <p:transition spd="med">
         <p:fade/>
       </p:transition>
@@ -8541,8 +8541,8 @@
           <a:chExt cx="0" cy="0"/>
         </a:xfrm>
       </p:grpSpPr>
-      <mc:AlternateContent xmlns:mc="http://schemas.openxmlformats.org/markup-compatibility/2006" xmlns:a14="http://schemas.microsoft.com/office/drawing/2010/main">
-        <mc:Choice Requires="a14">
+      <mc:AlternateContent xmlns:mc="http://schemas.openxmlformats.org/markup-compatibility/2006">
+        <mc:Choice xmlns:a14="http://schemas.microsoft.com/office/drawing/2010/main" Requires="a14">
           <p:sp>
             <p:nvSpPr>
               <p:cNvPr id="3" name="Content Placeholder 2">
@@ -8912,7 +8912,7 @@
                               <a:rPr lang="en-US" b="1" i="1" dirty="0" smtClean="0">
                                 <a:latin typeface="Cambria Math" panose="02040503050406030204" pitchFamily="18" charset="0"/>
                               </a:rPr>
-                              <m:t>𝑭</m:t>
+                              <m:t>𝑽</m:t>
                             </m:r>
                           </m:e>
                           <m:sub>
@@ -9010,7 +9010,7 @@
             </p:txBody>
           </p:sp>
         </mc:Choice>
-        <mc:Fallback xmlns="">
+        <mc:Fallback>
           <p:sp>
             <p:nvSpPr>
               <p:cNvPr id="3" name="Content Placeholder 2">
@@ -9088,173 +9088,18 @@
   <p:clrMapOvr>
     <a:masterClrMapping/>
   </p:clrMapOvr>
-  <mc:AlternateContent xmlns:mc="http://schemas.openxmlformats.org/markup-compatibility/2006">
-    <mc:Choice xmlns:p14="http://schemas.microsoft.com/office/powerpoint/2010/main" Requires="p14">
+  <mc:AlternateContent xmlns:mc="http://schemas.openxmlformats.org/markup-compatibility/2006" xmlns:p14="http://schemas.microsoft.com/office/powerpoint/2010/main">
+    <mc:Choice Requires="p14">
       <p:transition spd="med" p14:dur="700">
         <p:fade/>
       </p:transition>
     </mc:Choice>
-    <mc:Fallback>
+    <mc:Fallback xmlns="">
       <p:transition spd="med">
         <p:fade/>
       </p:transition>
     </mc:Fallback>
   </mc:AlternateContent>
-  <p:timing>
-    <p:tnLst>
-      <p:par>
-        <p:cTn id="1" dur="indefinite" restart="never" nodeType="tmRoot">
-          <p:childTnLst>
-            <p:seq concurrent="1" nextAc="seek">
-              <p:cTn id="2" dur="indefinite" nodeType="mainSeq">
-                <p:childTnLst>
-                  <p:par>
-                    <p:cTn id="3" fill="hold">
-                      <p:stCondLst>
-                        <p:cond delay="indefinite"/>
-                      </p:stCondLst>
-                      <p:childTnLst>
-                        <p:par>
-                          <p:cTn id="4" fill="hold">
-                            <p:stCondLst>
-                              <p:cond delay="0"/>
-                            </p:stCondLst>
-                            <p:childTnLst>
-                              <p:par>
-                                <p:cTn id="5" presetID="10" presetClass="entr" presetSubtype="0" fill="hold" grpId="0" nodeType="clickEffect">
-                                  <p:stCondLst>
-                                    <p:cond delay="0"/>
-                                  </p:stCondLst>
-                                  <p:childTnLst>
-                                    <p:set>
-                                      <p:cBhvr>
-                                        <p:cTn id="6" dur="1" fill="hold">
-                                          <p:stCondLst>
-                                            <p:cond delay="0"/>
-                                          </p:stCondLst>
-                                        </p:cTn>
-                                        <p:tgtEl>
-                                          <p:spTgt spid="3">
-                                            <p:txEl>
-                                              <p:pRg st="4" end="4"/>
-                                            </p:txEl>
-                                          </p:spTgt>
-                                        </p:tgtEl>
-                                        <p:attrNameLst>
-                                          <p:attrName>style.visibility</p:attrName>
-                                        </p:attrNameLst>
-                                      </p:cBhvr>
-                                      <p:to>
-                                        <p:strVal val="visible"/>
-                                      </p:to>
-                                    </p:set>
-                                    <p:animEffect transition="in" filter="fade">
-                                      <p:cBhvr>
-                                        <p:cTn id="7" dur="500"/>
-                                        <p:tgtEl>
-                                          <p:spTgt spid="3">
-                                            <p:txEl>
-                                              <p:pRg st="4" end="4"/>
-                                            </p:txEl>
-                                          </p:spTgt>
-                                        </p:tgtEl>
-                                      </p:cBhvr>
-                                    </p:animEffect>
-                                  </p:childTnLst>
-                                </p:cTn>
-                              </p:par>
-                            </p:childTnLst>
-                          </p:cTn>
-                        </p:par>
-                      </p:childTnLst>
-                    </p:cTn>
-                  </p:par>
-                  <p:par>
-                    <p:cTn id="8" fill="hold">
-                      <p:stCondLst>
-                        <p:cond delay="indefinite"/>
-                      </p:stCondLst>
-                      <p:childTnLst>
-                        <p:par>
-                          <p:cTn id="9" fill="hold">
-                            <p:stCondLst>
-                              <p:cond delay="0"/>
-                            </p:stCondLst>
-                            <p:childTnLst>
-                              <p:par>
-                                <p:cTn id="10" presetID="10" presetClass="entr" presetSubtype="0" fill="hold" grpId="0" nodeType="clickEffect">
-                                  <p:stCondLst>
-                                    <p:cond delay="0"/>
-                                  </p:stCondLst>
-                                  <p:childTnLst>
-                                    <p:set>
-                                      <p:cBhvr>
-                                        <p:cTn id="11" dur="1" fill="hold">
-                                          <p:stCondLst>
-                                            <p:cond delay="0"/>
-                                          </p:stCondLst>
-                                        </p:cTn>
-                                        <p:tgtEl>
-                                          <p:spTgt spid="3">
-                                            <p:txEl>
-                                              <p:pRg st="5" end="5"/>
-                                            </p:txEl>
-                                          </p:spTgt>
-                                        </p:tgtEl>
-                                        <p:attrNameLst>
-                                          <p:attrName>style.visibility</p:attrName>
-                                        </p:attrNameLst>
-                                      </p:cBhvr>
-                                      <p:to>
-                                        <p:strVal val="visible"/>
-                                      </p:to>
-                                    </p:set>
-                                    <p:animEffect transition="in" filter="fade">
-                                      <p:cBhvr>
-                                        <p:cTn id="12" dur="500"/>
-                                        <p:tgtEl>
-                                          <p:spTgt spid="3">
-                                            <p:txEl>
-                                              <p:pRg st="5" end="5"/>
-                                            </p:txEl>
-                                          </p:spTgt>
-                                        </p:tgtEl>
-                                      </p:cBhvr>
-                                    </p:animEffect>
-                                  </p:childTnLst>
-                                </p:cTn>
-                              </p:par>
-                            </p:childTnLst>
-                          </p:cTn>
-                        </p:par>
-                      </p:childTnLst>
-                    </p:cTn>
-                  </p:par>
-                </p:childTnLst>
-              </p:cTn>
-              <p:prevCondLst>
-                <p:cond evt="onPrev" delay="0">
-                  <p:tgtEl>
-                    <p:sldTgt/>
-                  </p:tgtEl>
-                </p:cond>
-              </p:prevCondLst>
-              <p:nextCondLst>
-                <p:cond evt="onNext" delay="0">
-                  <p:tgtEl>
-                    <p:sldTgt/>
-                  </p:tgtEl>
-                </p:cond>
-              </p:nextCondLst>
-            </p:seq>
-          </p:childTnLst>
-        </p:cTn>
-      </p:par>
-    </p:tnLst>
-    <p:bldLst>
-      <p:bldP spid="3" grpId="0" uiExpand="1" build="p"/>
-    </p:bldLst>
-  </p:timing>
 </p:sld>
 </file>
 
@@ -13663,7 +13508,13 @@
               <p:cNvGraphicFramePr>
                 <a:graphicFrameLocks noGrp="1"/>
               </p:cNvGraphicFramePr>
-              <p:nvPr/>
+              <p:nvPr>
+                <p:extLst>
+                  <p:ext uri="{D42A27DB-BD31-4B8C-83A1-F6EECF244321}">
+                    <p14:modId xmlns:p14="http://schemas.microsoft.com/office/powerpoint/2010/main" val="991189833"/>
+                  </p:ext>
+                </p:extLst>
+              </p:nvPr>
             </p:nvGraphicFramePr>
             <p:xfrm>
               <a:off x="685800" y="2193925"/>
@@ -13726,7 +13577,7 @@
                           </a14:m>
                           <a:r>
                             <a:rPr lang="en-US" b="0" i="0" dirty="0"/>
-                            <a:t> is a planar graph of order </a:t>
+                            <a:t> is a graph of order </a:t>
                           </a:r>
                           <a14:m>
                             <m:oMath xmlns:m="http://schemas.openxmlformats.org/officeDocument/2006/math">
@@ -13855,7 +13706,13 @@
               <p:cNvGraphicFramePr>
                 <a:graphicFrameLocks noGrp="1"/>
               </p:cNvGraphicFramePr>
-              <p:nvPr/>
+              <p:nvPr>
+                <p:extLst>
+                  <p:ext uri="{D42A27DB-BD31-4B8C-83A1-F6EECF244321}">
+                    <p14:modId xmlns:p14="http://schemas.microsoft.com/office/powerpoint/2010/main" val="991189833"/>
+                  </p:ext>
+                </p:extLst>
+              </p:nvPr>
             </p:nvGraphicFramePr>
             <p:xfrm>
               <a:off x="685800" y="2193925"/>
@@ -14703,89 +14560,6 @@
   <p:clrMapOvr>
     <a:masterClrMapping/>
   </p:clrMapOvr>
-  <p:timing>
-    <p:tnLst>
-      <p:par>
-        <p:cTn id="1" dur="indefinite" restart="never" nodeType="tmRoot">
-          <p:childTnLst>
-            <p:seq concurrent="1" nextAc="seek">
-              <p:cTn id="2" dur="indefinite" nodeType="mainSeq">
-                <p:childTnLst>
-                  <p:par>
-                    <p:cTn id="3" fill="hold">
-                      <p:stCondLst>
-                        <p:cond delay="indefinite"/>
-                      </p:stCondLst>
-                      <p:childTnLst>
-                        <p:par>
-                          <p:cTn id="4" fill="hold">
-                            <p:stCondLst>
-                              <p:cond delay="0"/>
-                            </p:stCondLst>
-                            <p:childTnLst>
-                              <p:par>
-                                <p:cTn id="5" presetID="10" presetClass="entr" presetSubtype="0" fill="hold" nodeType="clickEffect">
-                                  <p:stCondLst>
-                                    <p:cond delay="0"/>
-                                  </p:stCondLst>
-                                  <p:childTnLst>
-                                    <p:set>
-                                      <p:cBhvr>
-                                        <p:cTn id="6" dur="1" fill="hold">
-                                          <p:stCondLst>
-                                            <p:cond delay="0"/>
-                                          </p:stCondLst>
-                                        </p:cTn>
-                                        <p:tgtEl>
-                                          <p:spTgt spid="6"/>
-                                        </p:tgtEl>
-                                        <p:attrNameLst>
-                                          <p:attrName>style.visibility</p:attrName>
-                                        </p:attrNameLst>
-                                      </p:cBhvr>
-                                      <p:to>
-                                        <p:strVal val="visible"/>
-                                      </p:to>
-                                    </p:set>
-                                    <p:animEffect transition="in" filter="fade">
-                                      <p:cBhvr>
-                                        <p:cTn id="7" dur="500"/>
-                                        <p:tgtEl>
-                                          <p:spTgt spid="6"/>
-                                        </p:tgtEl>
-                                      </p:cBhvr>
-                                    </p:animEffect>
-                                  </p:childTnLst>
-                                </p:cTn>
-                              </p:par>
-                            </p:childTnLst>
-                          </p:cTn>
-                        </p:par>
-                      </p:childTnLst>
-                    </p:cTn>
-                  </p:par>
-                </p:childTnLst>
-              </p:cTn>
-              <p:prevCondLst>
-                <p:cond evt="onPrev" delay="0">
-                  <p:tgtEl>
-                    <p:sldTgt/>
-                  </p:tgtEl>
-                </p:cond>
-              </p:prevCondLst>
-              <p:nextCondLst>
-                <p:cond evt="onNext" delay="0">
-                  <p:tgtEl>
-                    <p:sldTgt/>
-                  </p:tgtEl>
-                </p:cond>
-              </p:nextCondLst>
-            </p:seq>
-          </p:childTnLst>
-        </p:cTn>
-      </p:par>
-    </p:tnLst>
-  </p:timing>
 </p:sld>
 </file>
 
@@ -17969,8 +17743,8 @@
           </a:p>
         </p:txBody>
       </p:sp>
-      <mc:AlternateContent xmlns:mc="http://schemas.openxmlformats.org/markup-compatibility/2006">
-        <mc:Choice xmlns:a14="http://schemas.microsoft.com/office/drawing/2010/main" Requires="a14">
+      <mc:AlternateContent xmlns:mc="http://schemas.openxmlformats.org/markup-compatibility/2006" xmlns:a14="http://schemas.microsoft.com/office/drawing/2010/main">
+        <mc:Choice Requires="a14">
           <p:graphicFrame>
             <p:nvGraphicFramePr>
               <p:cNvPr id="4" name="Table 4">
@@ -17987,7 +17761,7 @@
                 <p:ph idx="1"/>
                 <p:extLst>
                   <p:ext uri="{D42A27DB-BD31-4B8C-83A1-F6EECF244321}">
-                    <p14:modId xmlns:p14="http://schemas.microsoft.com/office/powerpoint/2010/main" val="3560806390"/>
+                    <p14:modId xmlns:p14="http://schemas.microsoft.com/office/powerpoint/2010/main" val="115601978"/>
                   </p:ext>
                 </p:extLst>
               </p:nvPr>
@@ -18039,7 +17813,7 @@
                         <a:p>
                           <a:r>
                             <a:rPr lang="en-US" dirty="0"/>
-                            <a:t>For every connected plan graph of order </a:t>
+                            <a:t>For every connected plane graph of order </a:t>
                           </a:r>
                           <a14:m>
                             <m:oMath xmlns:m="http://schemas.openxmlformats.org/officeDocument/2006/math">
@@ -18159,7 +17933,7 @@
             </a:graphic>
           </p:graphicFrame>
         </mc:Choice>
-        <mc:Fallback>
+        <mc:Fallback xmlns="">
           <p:graphicFrame>
             <p:nvGraphicFramePr>
               <p:cNvPr id="4" name="Table 4">
@@ -18176,7 +17950,7 @@
                 <p:ph idx="1"/>
                 <p:extLst>
                   <p:ext uri="{D42A27DB-BD31-4B8C-83A1-F6EECF244321}">
-                    <p14:modId xmlns:p14="http://schemas.microsoft.com/office/powerpoint/2010/main" val="3560806390"/>
+                    <p14:modId xmlns:p14="http://schemas.microsoft.com/office/powerpoint/2010/main" val="115601978"/>
                   </p:ext>
                 </p:extLst>
               </p:nvPr>
@@ -25321,7 +25095,7 @@
                 <p:ph idx="1"/>
                 <p:extLst>
                   <p:ext uri="{D42A27DB-BD31-4B8C-83A1-F6EECF244321}">
-                    <p14:modId xmlns:p14="http://schemas.microsoft.com/office/powerpoint/2010/main" val="413898390"/>
+                    <p14:modId xmlns:p14="http://schemas.microsoft.com/office/powerpoint/2010/main" val="2121347650"/>
                   </p:ext>
                 </p:extLst>
               </p:nvPr>
@@ -25387,7 +25161,15 @@
                           </a14:m>
                           <a:r>
                             <a:rPr lang="en-US" b="0" i="0" dirty="0"/>
-                            <a:t> is a planar graph of order </a:t>
+                            <a:t> is </a:t>
+                          </a:r>
+                          <a:r>
+                            <a:rPr lang="en-US" b="0" i="0"/>
+                            <a:t>a graph </a:t>
+                          </a:r>
+                          <a:r>
+                            <a:rPr lang="en-US" b="0" i="0" dirty="0"/>
+                            <a:t>of order </a:t>
                           </a:r>
                           <a14:m>
                             <m:oMath xmlns:m="http://schemas.openxmlformats.org/officeDocument/2006/math">
@@ -25530,7 +25312,7 @@
                 <p:ph idx="1"/>
                 <p:extLst>
                   <p:ext uri="{D42A27DB-BD31-4B8C-83A1-F6EECF244321}">
-                    <p14:modId xmlns:p14="http://schemas.microsoft.com/office/powerpoint/2010/main" val="413898390"/>
+                    <p14:modId xmlns:p14="http://schemas.microsoft.com/office/powerpoint/2010/main" val="2121347650"/>
                   </p:ext>
                 </p:extLst>
               </p:nvPr>
